--- a/고급반/1_C++/기초반 C++언어 강의자료/C++_9_상속_다중상속_가상함수/C++9_상속_다중상속_가상함수.pptx
+++ b/고급반/1_C++/기초반 C++언어 강의자료/C++_9_상속_다중상속_가상함수/C++9_상속_다중상속_가상함수.pptx
@@ -51,33 +51,33 @@
   <p:notesSz cx="6858000" cy="9144000"/>
   <p:embeddedFontLst>
     <p:embeddedFont>
-      <p:font typeface="HY강B" charset="-127"/>
+      <p:font typeface="HY강B" panose="020B0600000101010101" charset="-127"/>
       <p:regular r:id="rId41"/>
     </p:embeddedFont>
     <p:embeddedFont>
-      <p:font typeface="Segoe UI Black" pitchFamily="34" charset="0"/>
-      <p:bold r:id="rId42"/>
-      <p:boldItalic r:id="rId43"/>
+      <p:font typeface="HY강M" panose="020B0600000101010101" charset="-127"/>
+      <p:regular r:id="rId42"/>
     </p:embeddedFont>
     <p:embeddedFont>
-      <p:font typeface="HY견고딕" pitchFamily="18" charset="-127"/>
-      <p:regular r:id="rId44"/>
+      <p:font typeface="HY헤드라인M" panose="02030600000101010101" pitchFamily="18" charset="-127"/>
+      <p:regular r:id="rId43"/>
     </p:embeddedFont>
     <p:embeddedFont>
-      <p:font typeface="맑은 고딕" pitchFamily="50" charset="-127"/>
-      <p:regular r:id="rId45"/>
-      <p:bold r:id="rId46"/>
+      <p:font typeface="맑은 고딕" panose="020B0503020000020004" pitchFamily="50" charset="-127"/>
+      <p:regular r:id="rId44"/>
+      <p:bold r:id="rId45"/>
     </p:embeddedFont>
     <p:embeddedFont>
-      <p:font typeface="Yoon 윤고딕 520_TT" charset="-127"/>
-      <p:regular r:id="rId47"/>
+      <p:font typeface="Yoon 윤고딕 520_TT" panose="020B0600000101010101" charset="-127"/>
+      <p:regular r:id="rId46"/>
     </p:embeddedFont>
     <p:embeddedFont>
-      <p:font typeface="HY헤드라인M" pitchFamily="18" charset="-127"/>
-      <p:regular r:id="rId48"/>
+      <p:font typeface="Segoe UI Black" panose="020B0A02040204020203" pitchFamily="34" charset="0"/>
+      <p:bold r:id="rId47"/>
+      <p:boldItalic r:id="rId48"/>
     </p:embeddedFont>
     <p:embeddedFont>
-      <p:font typeface="HY강M" charset="-127"/>
+      <p:font typeface="HY견고딕" panose="02030600000101010101" pitchFamily="18" charset="-127"/>
       <p:regular r:id="rId49"/>
     </p:embeddedFont>
   </p:embeddedFontLst>
@@ -262,7 +262,7 @@
             <a:fld id="{E2E81C77-485D-47AA-9839-DA75671EEAD7}" type="datetimeFigureOut">
               <a:rPr lang="ko-KR" altLang="en-US" smtClean="0"/>
               <a:pPr/>
-              <a:t>2022-04-01</a:t>
+              <a:t>2022-05-12</a:t>
             </a:fld>
             <a:endParaRPr lang="ko-KR" altLang="en-US"/>
           </a:p>
@@ -1310,7 +1310,7 @@
             <a:fld id="{3A302466-FE76-40E8-BE5D-598A609EDD2B}" type="datetimeFigureOut">
               <a:rPr lang="ko-KR" altLang="en-US" smtClean="0"/>
               <a:pPr/>
-              <a:t>2022-04-01</a:t>
+              <a:t>2022-05-12</a:t>
             </a:fld>
             <a:endParaRPr lang="ko-KR" altLang="en-US"/>
           </a:p>
@@ -1482,7 +1482,7 @@
             <a:fld id="{3A302466-FE76-40E8-BE5D-598A609EDD2B}" type="datetimeFigureOut">
               <a:rPr lang="ko-KR" altLang="en-US" smtClean="0"/>
               <a:pPr/>
-              <a:t>2022-04-01</a:t>
+              <a:t>2022-05-12</a:t>
             </a:fld>
             <a:endParaRPr lang="ko-KR" altLang="en-US"/>
           </a:p>
@@ -1664,7 +1664,7 @@
             <a:fld id="{3A302466-FE76-40E8-BE5D-598A609EDD2B}" type="datetimeFigureOut">
               <a:rPr lang="ko-KR" altLang="en-US" smtClean="0"/>
               <a:pPr/>
-              <a:t>2022-04-01</a:t>
+              <a:t>2022-05-12</a:t>
             </a:fld>
             <a:endParaRPr lang="ko-KR" altLang="en-US"/>
           </a:p>
@@ -1836,7 +1836,7 @@
             <a:fld id="{3A302466-FE76-40E8-BE5D-598A609EDD2B}" type="datetimeFigureOut">
               <a:rPr lang="ko-KR" altLang="en-US" smtClean="0"/>
               <a:pPr/>
-              <a:t>2022-04-01</a:t>
+              <a:t>2022-05-12</a:t>
             </a:fld>
             <a:endParaRPr lang="ko-KR" altLang="en-US"/>
           </a:p>
@@ -2084,7 +2084,7 @@
             <a:fld id="{3A302466-FE76-40E8-BE5D-598A609EDD2B}" type="datetimeFigureOut">
               <a:rPr lang="ko-KR" altLang="en-US" smtClean="0"/>
               <a:pPr/>
-              <a:t>2022-04-01</a:t>
+              <a:t>2022-05-12</a:t>
             </a:fld>
             <a:endParaRPr lang="ko-KR" altLang="en-US"/>
           </a:p>
@@ -2374,7 +2374,7 @@
             <a:fld id="{3A302466-FE76-40E8-BE5D-598A609EDD2B}" type="datetimeFigureOut">
               <a:rPr lang="ko-KR" altLang="en-US" smtClean="0"/>
               <a:pPr/>
-              <a:t>2022-04-01</a:t>
+              <a:t>2022-05-12</a:t>
             </a:fld>
             <a:endParaRPr lang="ko-KR" altLang="en-US"/>
           </a:p>
@@ -2798,7 +2798,7 @@
             <a:fld id="{3A302466-FE76-40E8-BE5D-598A609EDD2B}" type="datetimeFigureOut">
               <a:rPr lang="ko-KR" altLang="en-US" smtClean="0"/>
               <a:pPr/>
-              <a:t>2022-04-01</a:t>
+              <a:t>2022-05-12</a:t>
             </a:fld>
             <a:endParaRPr lang="ko-KR" altLang="en-US"/>
           </a:p>
@@ -2918,7 +2918,7 @@
             <a:fld id="{3A302466-FE76-40E8-BE5D-598A609EDD2B}" type="datetimeFigureOut">
               <a:rPr lang="ko-KR" altLang="en-US" smtClean="0"/>
               <a:pPr/>
-              <a:t>2022-04-01</a:t>
+              <a:t>2022-05-12</a:t>
             </a:fld>
             <a:endParaRPr lang="ko-KR" altLang="en-US"/>
           </a:p>
@@ -3015,7 +3015,7 @@
             <a:fld id="{3A302466-FE76-40E8-BE5D-598A609EDD2B}" type="datetimeFigureOut">
               <a:rPr lang="ko-KR" altLang="en-US" smtClean="0"/>
               <a:pPr/>
-              <a:t>2022-04-01</a:t>
+              <a:t>2022-05-12</a:t>
             </a:fld>
             <a:endParaRPr lang="ko-KR" altLang="en-US"/>
           </a:p>
@@ -3294,7 +3294,7 @@
             <a:fld id="{3A302466-FE76-40E8-BE5D-598A609EDD2B}" type="datetimeFigureOut">
               <a:rPr lang="ko-KR" altLang="en-US" smtClean="0"/>
               <a:pPr/>
-              <a:t>2022-04-01</a:t>
+              <a:t>2022-05-12</a:t>
             </a:fld>
             <a:endParaRPr lang="ko-KR" altLang="en-US"/>
           </a:p>
@@ -3549,7 +3549,7 @@
             <a:fld id="{3A302466-FE76-40E8-BE5D-598A609EDD2B}" type="datetimeFigureOut">
               <a:rPr lang="ko-KR" altLang="en-US" smtClean="0"/>
               <a:pPr/>
-              <a:t>2022-04-01</a:t>
+              <a:t>2022-05-12</a:t>
             </a:fld>
             <a:endParaRPr lang="ko-KR" altLang="en-US"/>
           </a:p>
@@ -3764,7 +3764,7 @@
             <a:fld id="{3A302466-FE76-40E8-BE5D-598A609EDD2B}" type="datetimeFigureOut">
               <a:rPr lang="ko-KR" altLang="en-US" smtClean="0"/>
               <a:pPr/>
-              <a:t>2022-04-01</a:t>
+              <a:t>2022-05-12</a:t>
             </a:fld>
             <a:endParaRPr lang="ko-KR" altLang="en-US"/>
           </a:p>
@@ -4783,8 +4783,8 @@
         </p:nvSpPr>
         <p:spPr>
           <a:xfrm>
-            <a:off x="1034238" y="614676"/>
-            <a:ext cx="8232777" cy="6124754"/>
+            <a:off x="1034239" y="614676"/>
+            <a:ext cx="8002258" cy="6124754"/>
           </a:xfrm>
           <a:prstGeom prst="rect">
             <a:avLst/>
@@ -10153,7 +10153,7 @@
         <p:spPr>
           <a:xfrm>
             <a:off x="1034236" y="692696"/>
-            <a:ext cx="8232777" cy="6186309"/>
+            <a:ext cx="8232777" cy="6370975"/>
           </a:xfrm>
           <a:prstGeom prst="rect">
             <a:avLst/>
@@ -10250,51 +10250,7 @@
                 <a:latin typeface="HY견고딕" panose="02030600000101010101" pitchFamily="18" charset="-127"/>
                 <a:ea typeface="HY견고딕" panose="02030600000101010101" pitchFamily="18" charset="-127"/>
               </a:rPr>
-              <a:t>	void </a:t>
-            </a:r>
-            <a:r>
-              <a:rPr lang="en-US" altLang="ko-KR" sz="1200" dirty="0">
-                <a:latin typeface="HY견고딕" panose="02030600000101010101" pitchFamily="18" charset="-127"/>
-                <a:ea typeface="HY견고딕" panose="02030600000101010101" pitchFamily="18" charset="-127"/>
-              </a:rPr>
-              <a:t>speak(</a:t>
-            </a:r>
-            <a:r>
-              <a:rPr lang="en-US" altLang="ko-KR" sz="1200" dirty="0" err="1">
-                <a:latin typeface="HY견고딕" panose="02030600000101010101" pitchFamily="18" charset="-127"/>
-                <a:ea typeface="HY견고딕" panose="02030600000101010101" pitchFamily="18" charset="-127"/>
-              </a:rPr>
-              <a:t>int</a:t>
-            </a:r>
-            <a:r>
-              <a:rPr lang="en-US" altLang="ko-KR" sz="1200" dirty="0">
-                <a:latin typeface="HY견고딕" panose="02030600000101010101" pitchFamily="18" charset="-127"/>
-                <a:ea typeface="HY견고딕" panose="02030600000101010101" pitchFamily="18" charset="-127"/>
-              </a:rPr>
-              <a:t> </a:t>
-            </a:r>
-            <a:r>
-              <a:rPr lang="en-US" altLang="ko-KR" sz="1200" dirty="0" err="1">
-                <a:latin typeface="HY견고딕" panose="02030600000101010101" pitchFamily="18" charset="-127"/>
-                <a:ea typeface="HY견고딕" panose="02030600000101010101" pitchFamily="18" charset="-127"/>
-              </a:rPr>
-              <a:t>cnt</a:t>
-            </a:r>
-            <a:r>
-              <a:rPr lang="en-US" altLang="ko-KR" sz="1200" dirty="0">
-                <a:latin typeface="HY견고딕" panose="02030600000101010101" pitchFamily="18" charset="-127"/>
-                <a:ea typeface="HY견고딕" panose="02030600000101010101" pitchFamily="18" charset="-127"/>
-              </a:rPr>
-              <a:t>)</a:t>
-            </a:r>
-          </a:p>
-          <a:p>
-            <a:r>
-              <a:rPr lang="en-US" altLang="ko-KR" sz="1200" dirty="0" smtClean="0">
-                <a:latin typeface="HY견고딕" panose="02030600000101010101" pitchFamily="18" charset="-127"/>
-                <a:ea typeface="HY견고딕" panose="02030600000101010101" pitchFamily="18" charset="-127"/>
-              </a:rPr>
-              <a:t>	{</a:t>
+              <a:t>	</a:t>
             </a:r>
             <a:endParaRPr lang="en-US" altLang="ko-KR" sz="1200" dirty="0">
               <a:latin typeface="HY견고딕" panose="02030600000101010101" pitchFamily="18" charset="-127"/>
@@ -10307,100 +10263,23 @@
                 <a:latin typeface="HY견고딕" panose="02030600000101010101" pitchFamily="18" charset="-127"/>
                 <a:ea typeface="HY견고딕" panose="02030600000101010101" pitchFamily="18" charset="-127"/>
               </a:rPr>
-              <a:t>		</a:t>
-            </a:r>
-            <a:r>
-              <a:rPr lang="en-US" altLang="ko-KR" sz="1200" dirty="0" err="1" smtClean="0">
-                <a:latin typeface="HY견고딕" panose="02030600000101010101" pitchFamily="18" charset="-127"/>
-                <a:ea typeface="HY견고딕" panose="02030600000101010101" pitchFamily="18" charset="-127"/>
-              </a:rPr>
-              <a:t>cout</a:t>
-            </a:r>
+              <a:t>	void </a:t>
+            </a:r>
+            <a:r>
+              <a:rPr lang="en-US" altLang="ko-KR" sz="1200" dirty="0">
+                <a:latin typeface="HY견고딕" panose="02030600000101010101" pitchFamily="18" charset="-127"/>
+                <a:ea typeface="HY견고딕" panose="02030600000101010101" pitchFamily="18" charset="-127"/>
+              </a:rPr>
+              <a:t>speak()</a:t>
+            </a:r>
+          </a:p>
+          <a:p>
             <a:r>
               <a:rPr lang="en-US" altLang="ko-KR" sz="1200" dirty="0" smtClean="0">
                 <a:latin typeface="HY견고딕" panose="02030600000101010101" pitchFamily="18" charset="-127"/>
                 <a:ea typeface="HY견고딕" panose="02030600000101010101" pitchFamily="18" charset="-127"/>
               </a:rPr>
-              <a:t> </a:t>
-            </a:r>
-            <a:r>
-              <a:rPr lang="en-US" altLang="ko-KR" sz="1200" dirty="0">
-                <a:latin typeface="HY견고딕" panose="02030600000101010101" pitchFamily="18" charset="-127"/>
-                <a:ea typeface="HY견고딕" panose="02030600000101010101" pitchFamily="18" charset="-127"/>
-              </a:rPr>
-              <a:t>&lt;&lt; </a:t>
-            </a:r>
-            <a:r>
-              <a:rPr lang="en-US" altLang="ko-KR" sz="1200" dirty="0" err="1">
-                <a:latin typeface="HY견고딕" panose="02030600000101010101" pitchFamily="18" charset="-127"/>
-                <a:ea typeface="HY견고딕" panose="02030600000101010101" pitchFamily="18" charset="-127"/>
-              </a:rPr>
-              <a:t>cnt</a:t>
-            </a:r>
-            <a:r>
-              <a:rPr lang="en-US" altLang="ko-KR" sz="1200" dirty="0">
-                <a:latin typeface="HY견고딕" panose="02030600000101010101" pitchFamily="18" charset="-127"/>
-                <a:ea typeface="HY견고딕" panose="02030600000101010101" pitchFamily="18" charset="-127"/>
-              </a:rPr>
-              <a:t> &lt;&lt; "</a:t>
-            </a:r>
-            <a:r>
-              <a:rPr lang="ko-KR" altLang="en-US" sz="1200" dirty="0">
-                <a:latin typeface="HY견고딕" panose="02030600000101010101" pitchFamily="18" charset="-127"/>
-                <a:ea typeface="HY견고딕" panose="02030600000101010101" pitchFamily="18" charset="-127"/>
-              </a:rPr>
-              <a:t>번 짖다</a:t>
-            </a:r>
-            <a:r>
-              <a:rPr lang="en-US" altLang="ko-KR" sz="1200" dirty="0">
-                <a:latin typeface="HY견고딕" panose="02030600000101010101" pitchFamily="18" charset="-127"/>
-                <a:ea typeface="HY견고딕" panose="02030600000101010101" pitchFamily="18" charset="-127"/>
-              </a:rPr>
-              <a:t>"</a:t>
-            </a:r>
-            <a:r>
-              <a:rPr lang="ko-KR" altLang="en-US" sz="1200" dirty="0">
-                <a:latin typeface="HY견고딕" panose="02030600000101010101" pitchFamily="18" charset="-127"/>
-                <a:ea typeface="HY견고딕" panose="02030600000101010101" pitchFamily="18" charset="-127"/>
-              </a:rPr>
-              <a:t> </a:t>
-            </a:r>
-            <a:r>
-              <a:rPr lang="en-US" altLang="ko-KR" sz="1200" dirty="0">
-                <a:latin typeface="HY견고딕" panose="02030600000101010101" pitchFamily="18" charset="-127"/>
-                <a:ea typeface="HY견고딕" panose="02030600000101010101" pitchFamily="18" charset="-127"/>
-              </a:rPr>
-              <a:t>&lt;&lt;</a:t>
-            </a:r>
-            <a:r>
-              <a:rPr lang="ko-KR" altLang="en-US" sz="1200" dirty="0">
-                <a:latin typeface="HY견고딕" panose="02030600000101010101" pitchFamily="18" charset="-127"/>
-                <a:ea typeface="HY견고딕" panose="02030600000101010101" pitchFamily="18" charset="-127"/>
-              </a:rPr>
-              <a:t> </a:t>
-            </a:r>
-            <a:r>
-              <a:rPr lang="en-US" altLang="ko-KR" sz="1200" dirty="0" err="1">
-                <a:latin typeface="HY견고딕" panose="02030600000101010101" pitchFamily="18" charset="-127"/>
-                <a:ea typeface="HY견고딕" panose="02030600000101010101" pitchFamily="18" charset="-127"/>
-              </a:rPr>
-              <a:t>endl</a:t>
-            </a:r>
-            <a:r>
-              <a:rPr lang="en-US" altLang="ko-KR" sz="1200" dirty="0">
-                <a:latin typeface="HY견고딕" panose="02030600000101010101" pitchFamily="18" charset="-127"/>
-                <a:ea typeface="HY견고딕" panose="02030600000101010101" pitchFamily="18" charset="-127"/>
-              </a:rPr>
-              <a:t>;</a:t>
-            </a:r>
-          </a:p>
-          <a:p>
-            <a:r>
-              <a:rPr lang="en-US" altLang="ko-KR" sz="1200" dirty="0" smtClean="0">
-                <a:latin typeface="HY견고딕" panose="02030600000101010101" pitchFamily="18" charset="-127"/>
-                <a:ea typeface="HY견고딕" panose="02030600000101010101" pitchFamily="18" charset="-127"/>
-              </a:rPr>
-              <a:t>	}</a:t>
+              <a:t>	{</a:t>
             </a:r>
             <a:endParaRPr lang="en-US" altLang="ko-KR" sz="1200" dirty="0">
               <a:latin typeface="HY견고딕" panose="02030600000101010101" pitchFamily="18" charset="-127"/>
@@ -10413,14 +10292,77 @@
                 <a:latin typeface="HY견고딕" panose="02030600000101010101" pitchFamily="18" charset="-127"/>
                 <a:ea typeface="HY견고딕" panose="02030600000101010101" pitchFamily="18" charset="-127"/>
               </a:rPr>
-              <a:t>	void </a:t>
+              <a:t>		</a:t>
+            </a:r>
+            <a:r>
+              <a:rPr lang="en-US" altLang="ko-KR" sz="1200" dirty="0" err="1" smtClean="0">
+                <a:latin typeface="HY견고딕" panose="02030600000101010101" pitchFamily="18" charset="-127"/>
+                <a:ea typeface="HY견고딕" panose="02030600000101010101" pitchFamily="18" charset="-127"/>
+              </a:rPr>
+              <a:t>cout</a:t>
+            </a:r>
+            <a:r>
+              <a:rPr lang="en-US" altLang="ko-KR" sz="1200" dirty="0" smtClean="0">
+                <a:latin typeface="HY견고딕" panose="02030600000101010101" pitchFamily="18" charset="-127"/>
+                <a:ea typeface="HY견고딕" panose="02030600000101010101" pitchFamily="18" charset="-127"/>
+              </a:rPr>
+              <a:t> </a:t>
             </a:r>
             <a:r>
               <a:rPr lang="en-US" altLang="ko-KR" sz="1200" dirty="0">
                 <a:latin typeface="HY견고딕" panose="02030600000101010101" pitchFamily="18" charset="-127"/>
                 <a:ea typeface="HY견고딕" panose="02030600000101010101" pitchFamily="18" charset="-127"/>
               </a:rPr>
-              <a:t>speak()</a:t>
+              <a:t>&lt;&lt; " </a:t>
+            </a:r>
+            <a:r>
+              <a:rPr lang="ko-KR" altLang="en-US" sz="1200" dirty="0">
+                <a:latin typeface="HY견고딕" panose="02030600000101010101" pitchFamily="18" charset="-127"/>
+                <a:ea typeface="HY견고딕" panose="02030600000101010101" pitchFamily="18" charset="-127"/>
+              </a:rPr>
+              <a:t>짖다</a:t>
+            </a:r>
+            <a:r>
+              <a:rPr lang="en-US" altLang="ko-KR" sz="1200" dirty="0">
+                <a:latin typeface="HY견고딕" panose="02030600000101010101" pitchFamily="18" charset="-127"/>
+                <a:ea typeface="HY견고딕" panose="02030600000101010101" pitchFamily="18" charset="-127"/>
+              </a:rPr>
+              <a:t>"</a:t>
+            </a:r>
+            <a:r>
+              <a:rPr lang="ko-KR" altLang="en-US" sz="1200" dirty="0">
+                <a:latin typeface="HY견고딕" panose="02030600000101010101" pitchFamily="18" charset="-127"/>
+                <a:ea typeface="HY견고딕" panose="02030600000101010101" pitchFamily="18" charset="-127"/>
+              </a:rPr>
+              <a:t> </a:t>
+            </a:r>
+            <a:r>
+              <a:rPr lang="en-US" altLang="ko-KR" sz="1200" dirty="0">
+                <a:latin typeface="HY견고딕" panose="02030600000101010101" pitchFamily="18" charset="-127"/>
+                <a:ea typeface="HY견고딕" panose="02030600000101010101" pitchFamily="18" charset="-127"/>
+              </a:rPr>
+              <a:t>&lt;&lt;</a:t>
+            </a:r>
+            <a:r>
+              <a:rPr lang="ko-KR" altLang="en-US" sz="1200" dirty="0">
+                <a:latin typeface="HY견고딕" panose="02030600000101010101" pitchFamily="18" charset="-127"/>
+                <a:ea typeface="HY견고딕" panose="02030600000101010101" pitchFamily="18" charset="-127"/>
+              </a:rPr>
+              <a:t> </a:t>
+            </a:r>
+            <a:r>
+              <a:rPr lang="en-US" altLang="ko-KR" sz="1200" dirty="0" err="1">
+                <a:latin typeface="HY견고딕" panose="02030600000101010101" pitchFamily="18" charset="-127"/>
+                <a:ea typeface="HY견고딕" panose="02030600000101010101" pitchFamily="18" charset="-127"/>
+              </a:rPr>
+              <a:t>endl</a:t>
+            </a:r>
+            <a:r>
+              <a:rPr lang="en-US" altLang="ko-KR" sz="1200" dirty="0">
+                <a:latin typeface="HY견고딕" panose="02030600000101010101" pitchFamily="18" charset="-127"/>
+                <a:ea typeface="HY견고딕" panose="02030600000101010101" pitchFamily="18" charset="-127"/>
+              </a:rPr>
+              <a:t>;</a:t>
             </a:r>
           </a:p>
           <a:p>
@@ -10429,7 +10371,7 @@
                 <a:latin typeface="HY견고딕" panose="02030600000101010101" pitchFamily="18" charset="-127"/>
                 <a:ea typeface="HY견고딕" panose="02030600000101010101" pitchFamily="18" charset="-127"/>
               </a:rPr>
-              <a:t>	{</a:t>
+              <a:t>	}</a:t>
             </a:r>
             <a:endParaRPr lang="en-US" altLang="ko-KR" sz="1200" dirty="0">
               <a:latin typeface="HY견고딕" panose="02030600000101010101" pitchFamily="18" charset="-127"/>
@@ -10438,90 +10380,63 @@
           </a:p>
           <a:p>
             <a:r>
+              <a:rPr lang="en-US" altLang="ko-KR" sz="1200" dirty="0">
+                <a:latin typeface="HY견고딕" panose="02030600000101010101" pitchFamily="18" charset="-127"/>
+                <a:ea typeface="HY견고딕" panose="02030600000101010101" pitchFamily="18" charset="-127"/>
+              </a:rPr>
+              <a:t>};</a:t>
+            </a:r>
+          </a:p>
+          <a:p>
+            <a:r>
+              <a:rPr lang="en-US" altLang="ko-KR" sz="1200" dirty="0">
+                <a:latin typeface="HY견고딕" panose="02030600000101010101" pitchFamily="18" charset="-127"/>
+                <a:ea typeface="HY견고딕" panose="02030600000101010101" pitchFamily="18" charset="-127"/>
+              </a:rPr>
+              <a:t>class Dog : public Mammal</a:t>
+            </a:r>
+          </a:p>
+          <a:p>
+            <a:r>
+              <a:rPr lang="en-US" altLang="ko-KR" sz="1200" dirty="0">
+                <a:latin typeface="HY견고딕" panose="02030600000101010101" pitchFamily="18" charset="-127"/>
+                <a:ea typeface="HY견고딕" panose="02030600000101010101" pitchFamily="18" charset="-127"/>
+              </a:rPr>
+              <a:t>{</a:t>
+            </a:r>
+          </a:p>
+          <a:p>
+            <a:r>
+              <a:rPr lang="en-US" altLang="ko-KR" sz="1200" dirty="0">
+                <a:latin typeface="HY견고딕" panose="02030600000101010101" pitchFamily="18" charset="-127"/>
+                <a:ea typeface="HY견고딕" panose="02030600000101010101" pitchFamily="18" charset="-127"/>
+              </a:rPr>
+              <a:t>public:</a:t>
+            </a:r>
+          </a:p>
+          <a:p>
+            <a:r>
               <a:rPr lang="en-US" altLang="ko-KR" sz="1200" dirty="0" smtClean="0">
                 <a:latin typeface="HY견고딕" panose="02030600000101010101" pitchFamily="18" charset="-127"/>
                 <a:ea typeface="HY견고딕" panose="02030600000101010101" pitchFamily="18" charset="-127"/>
               </a:rPr>
-              <a:t>		</a:t>
-            </a:r>
-            <a:r>
-              <a:rPr lang="en-US" altLang="ko-KR" sz="1200" dirty="0" err="1" smtClean="0">
-                <a:latin typeface="HY견고딕" panose="02030600000101010101" pitchFamily="18" charset="-127"/>
-                <a:ea typeface="HY견고딕" panose="02030600000101010101" pitchFamily="18" charset="-127"/>
-              </a:rPr>
-              <a:t>cout</a:t>
-            </a:r>
+              <a:t>	void </a:t>
+            </a:r>
+            <a:r>
+              <a:rPr lang="en-US" altLang="ko-KR" sz="1200" dirty="0">
+                <a:latin typeface="HY견고딕" panose="02030600000101010101" pitchFamily="18" charset="-127"/>
+                <a:ea typeface="HY견고딕" panose="02030600000101010101" pitchFamily="18" charset="-127"/>
+              </a:rPr>
+              <a:t>speak()</a:t>
+            </a:r>
+          </a:p>
+          <a:p>
             <a:r>
               <a:rPr lang="en-US" altLang="ko-KR" sz="1200" dirty="0" smtClean="0">
                 <a:latin typeface="HY견고딕" panose="02030600000101010101" pitchFamily="18" charset="-127"/>
                 <a:ea typeface="HY견고딕" panose="02030600000101010101" pitchFamily="18" charset="-127"/>
               </a:rPr>
-              <a:t> </a:t>
-            </a:r>
-            <a:r>
-              <a:rPr lang="en-US" altLang="ko-KR" sz="1200" dirty="0">
-                <a:latin typeface="HY견고딕" panose="02030600000101010101" pitchFamily="18" charset="-127"/>
-                <a:ea typeface="HY견고딕" panose="02030600000101010101" pitchFamily="18" charset="-127"/>
-              </a:rPr>
-              <a:t>&lt;&lt; " </a:t>
-            </a:r>
-            <a:r>
-              <a:rPr lang="ko-KR" altLang="en-US" sz="1200" dirty="0">
-                <a:latin typeface="HY견고딕" panose="02030600000101010101" pitchFamily="18" charset="-127"/>
-                <a:ea typeface="HY견고딕" panose="02030600000101010101" pitchFamily="18" charset="-127"/>
-              </a:rPr>
-              <a:t>짖다</a:t>
-            </a:r>
-            <a:r>
-              <a:rPr lang="en-US" altLang="ko-KR" sz="1200" dirty="0">
-                <a:latin typeface="HY견고딕" panose="02030600000101010101" pitchFamily="18" charset="-127"/>
-                <a:ea typeface="HY견고딕" panose="02030600000101010101" pitchFamily="18" charset="-127"/>
-              </a:rPr>
-              <a:t>"</a:t>
-            </a:r>
-            <a:r>
-              <a:rPr lang="ko-KR" altLang="en-US" sz="1200" dirty="0">
-                <a:latin typeface="HY견고딕" panose="02030600000101010101" pitchFamily="18" charset="-127"/>
-                <a:ea typeface="HY견고딕" panose="02030600000101010101" pitchFamily="18" charset="-127"/>
-              </a:rPr>
-              <a:t> </a:t>
-            </a:r>
-            <a:r>
-              <a:rPr lang="en-US" altLang="ko-KR" sz="1200" dirty="0">
-                <a:latin typeface="HY견고딕" panose="02030600000101010101" pitchFamily="18" charset="-127"/>
-                <a:ea typeface="HY견고딕" panose="02030600000101010101" pitchFamily="18" charset="-127"/>
-              </a:rPr>
-              <a:t>&lt;&lt;</a:t>
-            </a:r>
-            <a:r>
-              <a:rPr lang="ko-KR" altLang="en-US" sz="1200" dirty="0">
-                <a:latin typeface="HY견고딕" panose="02030600000101010101" pitchFamily="18" charset="-127"/>
-                <a:ea typeface="HY견고딕" panose="02030600000101010101" pitchFamily="18" charset="-127"/>
-              </a:rPr>
-              <a:t> </a:t>
-            </a:r>
-            <a:r>
-              <a:rPr lang="en-US" altLang="ko-KR" sz="1200" dirty="0" err="1">
-                <a:latin typeface="HY견고딕" panose="02030600000101010101" pitchFamily="18" charset="-127"/>
-                <a:ea typeface="HY견고딕" panose="02030600000101010101" pitchFamily="18" charset="-127"/>
-              </a:rPr>
-              <a:t>endl</a:t>
-            </a:r>
-            <a:r>
-              <a:rPr lang="en-US" altLang="ko-KR" sz="1200" dirty="0">
-                <a:latin typeface="HY견고딕" panose="02030600000101010101" pitchFamily="18" charset="-127"/>
-                <a:ea typeface="HY견고딕" panose="02030600000101010101" pitchFamily="18" charset="-127"/>
-              </a:rPr>
-              <a:t>;</a:t>
-            </a:r>
-          </a:p>
-          <a:p>
-            <a:r>
-              <a:rPr lang="en-US" altLang="ko-KR" sz="1200" dirty="0" smtClean="0">
-                <a:latin typeface="HY견고딕" panose="02030600000101010101" pitchFamily="18" charset="-127"/>
-                <a:ea typeface="HY견고딕" panose="02030600000101010101" pitchFamily="18" charset="-127"/>
-              </a:rPr>
-              <a:t>	}</a:t>
+              <a:t>	{</a:t>
             </a:r>
             <a:endParaRPr lang="en-US" altLang="ko-KR" sz="1200" dirty="0">
               <a:latin typeface="HY견고딕" panose="02030600000101010101" pitchFamily="18" charset="-127"/>
@@ -10530,38 +10445,81 @@
           </a:p>
           <a:p>
             <a:r>
+              <a:rPr lang="en-US" altLang="ko-KR" sz="1200" dirty="0" smtClean="0">
+                <a:latin typeface="HY견고딕" panose="02030600000101010101" pitchFamily="18" charset="-127"/>
+                <a:ea typeface="HY견고딕" panose="02030600000101010101" pitchFamily="18" charset="-127"/>
+              </a:rPr>
+              <a:t>		</a:t>
+            </a:r>
+            <a:r>
+              <a:rPr lang="en-US" altLang="ko-KR" sz="1200" dirty="0" err="1" smtClean="0">
+                <a:latin typeface="HY견고딕" panose="02030600000101010101" pitchFamily="18" charset="-127"/>
+                <a:ea typeface="HY견고딕" panose="02030600000101010101" pitchFamily="18" charset="-127"/>
+              </a:rPr>
+              <a:t>cout</a:t>
+            </a:r>
+            <a:r>
+              <a:rPr lang="en-US" altLang="ko-KR" sz="1200" dirty="0" smtClean="0">
+                <a:latin typeface="HY견고딕" panose="02030600000101010101" pitchFamily="18" charset="-127"/>
+                <a:ea typeface="HY견고딕" panose="02030600000101010101" pitchFamily="18" charset="-127"/>
+              </a:rPr>
+              <a:t> </a:t>
+            </a:r>
+            <a:r>
               <a:rPr lang="en-US" altLang="ko-KR" sz="1200" dirty="0">
                 <a:latin typeface="HY견고딕" panose="02030600000101010101" pitchFamily="18" charset="-127"/>
                 <a:ea typeface="HY견고딕" panose="02030600000101010101" pitchFamily="18" charset="-127"/>
               </a:rPr>
-              <a:t>};</a:t>
-            </a:r>
-          </a:p>
-          <a:p>
+              <a:t>&lt;&lt; "</a:t>
+            </a:r>
+            <a:r>
+              <a:rPr lang="ko-KR" altLang="en-US" sz="1200" dirty="0">
+                <a:latin typeface="HY견고딕" panose="02030600000101010101" pitchFamily="18" charset="-127"/>
+                <a:ea typeface="HY견고딕" panose="02030600000101010101" pitchFamily="18" charset="-127"/>
+              </a:rPr>
+              <a:t>멍멍</a:t>
+            </a:r>
             <a:r>
               <a:rPr lang="en-US" altLang="ko-KR" sz="1200" dirty="0">
                 <a:latin typeface="HY견고딕" panose="02030600000101010101" pitchFamily="18" charset="-127"/>
                 <a:ea typeface="HY견고딕" panose="02030600000101010101" pitchFamily="18" charset="-127"/>
               </a:rPr>
-              <a:t>class Dog : public Mammal</a:t>
-            </a:r>
-          </a:p>
-          <a:p>
+              <a:t>"</a:t>
+            </a:r>
+            <a:r>
+              <a:rPr lang="ko-KR" altLang="en-US" sz="1200" dirty="0">
+                <a:latin typeface="HY견고딕" panose="02030600000101010101" pitchFamily="18" charset="-127"/>
+                <a:ea typeface="HY견고딕" panose="02030600000101010101" pitchFamily="18" charset="-127"/>
+              </a:rPr>
+              <a:t> </a:t>
+            </a:r>
             <a:r>
               <a:rPr lang="en-US" altLang="ko-KR" sz="1200" dirty="0">
                 <a:latin typeface="HY견고딕" panose="02030600000101010101" pitchFamily="18" charset="-127"/>
                 <a:ea typeface="HY견고딕" panose="02030600000101010101" pitchFamily="18" charset="-127"/>
               </a:rPr>
-              <a:t>{</a:t>
-            </a:r>
-          </a:p>
-          <a:p>
+              <a:t>&lt;&lt;</a:t>
+            </a:r>
+            <a:r>
+              <a:rPr lang="ko-KR" altLang="en-US" sz="1200" dirty="0">
+                <a:latin typeface="HY견고딕" panose="02030600000101010101" pitchFamily="18" charset="-127"/>
+                <a:ea typeface="HY견고딕" panose="02030600000101010101" pitchFamily="18" charset="-127"/>
+              </a:rPr>
+              <a:t> </a:t>
+            </a:r>
+            <a:r>
+              <a:rPr lang="en-US" altLang="ko-KR" sz="1200" dirty="0" err="1">
+                <a:latin typeface="HY견고딕" panose="02030600000101010101" pitchFamily="18" charset="-127"/>
+                <a:ea typeface="HY견고딕" panose="02030600000101010101" pitchFamily="18" charset="-127"/>
+              </a:rPr>
+              <a:t>endl</a:t>
+            </a:r>
             <a:r>
               <a:rPr lang="en-US" altLang="ko-KR" sz="1200" dirty="0">
                 <a:latin typeface="HY견고딕" panose="02030600000101010101" pitchFamily="18" charset="-127"/>
                 <a:ea typeface="HY견고딕" panose="02030600000101010101" pitchFamily="18" charset="-127"/>
               </a:rPr>
-              <a:t>public:</a:t>
+              <a:t>;</a:t>
             </a:r>
           </a:p>
           <a:p>
@@ -10570,23 +10528,148 @@
                 <a:latin typeface="HY견고딕" panose="02030600000101010101" pitchFamily="18" charset="-127"/>
                 <a:ea typeface="HY견고딕" panose="02030600000101010101" pitchFamily="18" charset="-127"/>
               </a:rPr>
-              <a:t>	void </a:t>
-            </a:r>
+              <a:t>	}</a:t>
+            </a:r>
+          </a:p>
+          <a:p>
             <a:r>
               <a:rPr lang="en-US" altLang="ko-KR" sz="1200" dirty="0">
                 <a:latin typeface="HY견고딕" panose="02030600000101010101" pitchFamily="18" charset="-127"/>
                 <a:ea typeface="HY견고딕" panose="02030600000101010101" pitchFamily="18" charset="-127"/>
               </a:rPr>
-              <a:t>speak()</a:t>
-            </a:r>
-          </a:p>
-          <a:p>
-            <a:r>
-              <a:rPr lang="en-US" altLang="ko-KR" sz="1200" dirty="0" smtClean="0">
+              <a:t>void speak(</a:t>
+            </a:r>
+            <a:r>
+              <a:rPr lang="en-US" altLang="ko-KR" sz="1200" dirty="0" err="1">
+                <a:latin typeface="HY견고딕" panose="02030600000101010101" pitchFamily="18" charset="-127"/>
+                <a:ea typeface="HY견고딕" panose="02030600000101010101" pitchFamily="18" charset="-127"/>
+              </a:rPr>
+              <a:t>int</a:t>
+            </a:r>
+            <a:r>
+              <a:rPr lang="en-US" altLang="ko-KR" sz="1200" dirty="0">
+                <a:latin typeface="HY견고딕" panose="02030600000101010101" pitchFamily="18" charset="-127"/>
+                <a:ea typeface="HY견고딕" panose="02030600000101010101" pitchFamily="18" charset="-127"/>
+              </a:rPr>
+              <a:t> </a:t>
+            </a:r>
+            <a:r>
+              <a:rPr lang="en-US" altLang="ko-KR" sz="1200" dirty="0" err="1">
+                <a:latin typeface="HY견고딕" panose="02030600000101010101" pitchFamily="18" charset="-127"/>
+                <a:ea typeface="HY견고딕" panose="02030600000101010101" pitchFamily="18" charset="-127"/>
+              </a:rPr>
+              <a:t>cnt</a:t>
+            </a:r>
+            <a:r>
+              <a:rPr lang="en-US" altLang="ko-KR" sz="1200" dirty="0">
+                <a:latin typeface="HY견고딕" panose="02030600000101010101" pitchFamily="18" charset="-127"/>
+                <a:ea typeface="HY견고딕" panose="02030600000101010101" pitchFamily="18" charset="-127"/>
+              </a:rPr>
+              <a:t>)</a:t>
+            </a:r>
+          </a:p>
+          <a:p>
+            <a:r>
+              <a:rPr lang="en-US" altLang="ko-KR" sz="1200" dirty="0">
                 <a:latin typeface="HY견고딕" panose="02030600000101010101" pitchFamily="18" charset="-127"/>
                 <a:ea typeface="HY견고딕" panose="02030600000101010101" pitchFamily="18" charset="-127"/>
               </a:rPr>
               <a:t>	{</a:t>
+            </a:r>
+          </a:p>
+          <a:p>
+            <a:r>
+              <a:rPr lang="en-US" altLang="ko-KR" sz="1200" dirty="0">
+                <a:latin typeface="HY견고딕" panose="02030600000101010101" pitchFamily="18" charset="-127"/>
+                <a:ea typeface="HY견고딕" panose="02030600000101010101" pitchFamily="18" charset="-127"/>
+              </a:rPr>
+              <a:t>		</a:t>
+            </a:r>
+            <a:r>
+              <a:rPr lang="en-US" altLang="ko-KR" sz="1200" dirty="0" err="1">
+                <a:latin typeface="HY견고딕" panose="02030600000101010101" pitchFamily="18" charset="-127"/>
+                <a:ea typeface="HY견고딕" panose="02030600000101010101" pitchFamily="18" charset="-127"/>
+              </a:rPr>
+              <a:t>cout</a:t>
+            </a:r>
+            <a:r>
+              <a:rPr lang="en-US" altLang="ko-KR" sz="1200" dirty="0">
+                <a:latin typeface="HY견고딕" panose="02030600000101010101" pitchFamily="18" charset="-127"/>
+                <a:ea typeface="HY견고딕" panose="02030600000101010101" pitchFamily="18" charset="-127"/>
+              </a:rPr>
+              <a:t> &lt;&lt; </a:t>
+            </a:r>
+            <a:r>
+              <a:rPr lang="en-US" altLang="ko-KR" sz="1200" dirty="0" err="1">
+                <a:latin typeface="HY견고딕" panose="02030600000101010101" pitchFamily="18" charset="-127"/>
+                <a:ea typeface="HY견고딕" panose="02030600000101010101" pitchFamily="18" charset="-127"/>
+              </a:rPr>
+              <a:t>cnt</a:t>
+            </a:r>
+            <a:r>
+              <a:rPr lang="en-US" altLang="ko-KR" sz="1200" dirty="0">
+                <a:latin typeface="HY견고딕" panose="02030600000101010101" pitchFamily="18" charset="-127"/>
+                <a:ea typeface="HY견고딕" panose="02030600000101010101" pitchFamily="18" charset="-127"/>
+              </a:rPr>
+              <a:t> &lt;&lt; "</a:t>
+            </a:r>
+            <a:r>
+              <a:rPr lang="ko-KR" altLang="en-US" sz="1200" dirty="0">
+                <a:latin typeface="HY견고딕" panose="02030600000101010101" pitchFamily="18" charset="-127"/>
+                <a:ea typeface="HY견고딕" panose="02030600000101010101" pitchFamily="18" charset="-127"/>
+              </a:rPr>
+              <a:t>번 짖다</a:t>
+            </a:r>
+            <a:r>
+              <a:rPr lang="en-US" altLang="ko-KR" sz="1200" dirty="0">
+                <a:latin typeface="HY견고딕" panose="02030600000101010101" pitchFamily="18" charset="-127"/>
+                <a:ea typeface="HY견고딕" panose="02030600000101010101" pitchFamily="18" charset="-127"/>
+              </a:rPr>
+              <a:t>"</a:t>
+            </a:r>
+            <a:r>
+              <a:rPr lang="ko-KR" altLang="en-US" sz="1200" dirty="0">
+                <a:latin typeface="HY견고딕" panose="02030600000101010101" pitchFamily="18" charset="-127"/>
+                <a:ea typeface="HY견고딕" panose="02030600000101010101" pitchFamily="18" charset="-127"/>
+              </a:rPr>
+              <a:t> </a:t>
+            </a:r>
+            <a:r>
+              <a:rPr lang="en-US" altLang="ko-KR" sz="1200" dirty="0">
+                <a:latin typeface="HY견고딕" panose="02030600000101010101" pitchFamily="18" charset="-127"/>
+                <a:ea typeface="HY견고딕" panose="02030600000101010101" pitchFamily="18" charset="-127"/>
+              </a:rPr>
+              <a:t>&lt;&lt;</a:t>
+            </a:r>
+            <a:r>
+              <a:rPr lang="ko-KR" altLang="en-US" sz="1200" dirty="0">
+                <a:latin typeface="HY견고딕" panose="02030600000101010101" pitchFamily="18" charset="-127"/>
+                <a:ea typeface="HY견고딕" panose="02030600000101010101" pitchFamily="18" charset="-127"/>
+              </a:rPr>
+              <a:t> </a:t>
+            </a:r>
+            <a:r>
+              <a:rPr lang="en-US" altLang="ko-KR" sz="1200" dirty="0" err="1">
+                <a:latin typeface="HY견고딕" panose="02030600000101010101" pitchFamily="18" charset="-127"/>
+                <a:ea typeface="HY견고딕" panose="02030600000101010101" pitchFamily="18" charset="-127"/>
+              </a:rPr>
+              <a:t>endl</a:t>
+            </a:r>
+            <a:r>
+              <a:rPr lang="en-US" altLang="ko-KR" sz="1200" dirty="0">
+                <a:latin typeface="HY견고딕" panose="02030600000101010101" pitchFamily="18" charset="-127"/>
+                <a:ea typeface="HY견고딕" panose="02030600000101010101" pitchFamily="18" charset="-127"/>
+              </a:rPr>
+              <a:t>;</a:t>
+            </a:r>
+          </a:p>
+          <a:p>
+            <a:r>
+              <a:rPr lang="en-US" altLang="ko-KR" sz="1200">
+                <a:latin typeface="HY견고딕" panose="02030600000101010101" pitchFamily="18" charset="-127"/>
+                <a:ea typeface="HY견고딕" panose="02030600000101010101" pitchFamily="18" charset="-127"/>
+              </a:rPr>
+              <a:t>	}</a:t>
             </a:r>
             <a:endParaRPr lang="en-US" altLang="ko-KR" sz="1200" dirty="0">
               <a:latin typeface="HY견고딕" panose="02030600000101010101" pitchFamily="18" charset="-127"/>
@@ -10595,98 +10678,6 @@
           </a:p>
           <a:p>
             <a:r>
-              <a:rPr lang="en-US" altLang="ko-KR" sz="1200" dirty="0" smtClean="0">
-                <a:latin typeface="HY견고딕" panose="02030600000101010101" pitchFamily="18" charset="-127"/>
-                <a:ea typeface="HY견고딕" panose="02030600000101010101" pitchFamily="18" charset="-127"/>
-              </a:rPr>
-              <a:t>		</a:t>
-            </a:r>
-            <a:r>
-              <a:rPr lang="en-US" altLang="ko-KR" sz="1200" dirty="0" err="1" smtClean="0">
-                <a:latin typeface="HY견고딕" panose="02030600000101010101" pitchFamily="18" charset="-127"/>
-                <a:ea typeface="HY견고딕" panose="02030600000101010101" pitchFamily="18" charset="-127"/>
-              </a:rPr>
-              <a:t>cout</a:t>
-            </a:r>
-            <a:r>
-              <a:rPr lang="en-US" altLang="ko-KR" sz="1200" dirty="0" smtClean="0">
-                <a:latin typeface="HY견고딕" panose="02030600000101010101" pitchFamily="18" charset="-127"/>
-                <a:ea typeface="HY견고딕" panose="02030600000101010101" pitchFamily="18" charset="-127"/>
-              </a:rPr>
-              <a:t> </a:t>
-            </a:r>
-            <a:r>
-              <a:rPr lang="en-US" altLang="ko-KR" sz="1200" dirty="0">
-                <a:latin typeface="HY견고딕" panose="02030600000101010101" pitchFamily="18" charset="-127"/>
-                <a:ea typeface="HY견고딕" panose="02030600000101010101" pitchFamily="18" charset="-127"/>
-              </a:rPr>
-              <a:t>&lt;&lt; "</a:t>
-            </a:r>
-            <a:r>
-              <a:rPr lang="ko-KR" altLang="en-US" sz="1200" dirty="0">
-                <a:latin typeface="HY견고딕" panose="02030600000101010101" pitchFamily="18" charset="-127"/>
-                <a:ea typeface="HY견고딕" panose="02030600000101010101" pitchFamily="18" charset="-127"/>
-              </a:rPr>
-              <a:t>멍멍</a:t>
-            </a:r>
-            <a:r>
-              <a:rPr lang="en-US" altLang="ko-KR" sz="1200" dirty="0">
-                <a:latin typeface="HY견고딕" panose="02030600000101010101" pitchFamily="18" charset="-127"/>
-                <a:ea typeface="HY견고딕" panose="02030600000101010101" pitchFamily="18" charset="-127"/>
-              </a:rPr>
-              <a:t>"</a:t>
-            </a:r>
-            <a:r>
-              <a:rPr lang="ko-KR" altLang="en-US" sz="1200" dirty="0">
-                <a:latin typeface="HY견고딕" panose="02030600000101010101" pitchFamily="18" charset="-127"/>
-                <a:ea typeface="HY견고딕" panose="02030600000101010101" pitchFamily="18" charset="-127"/>
-              </a:rPr>
-              <a:t> </a:t>
-            </a:r>
-            <a:r>
-              <a:rPr lang="en-US" altLang="ko-KR" sz="1200" dirty="0">
-                <a:latin typeface="HY견고딕" panose="02030600000101010101" pitchFamily="18" charset="-127"/>
-                <a:ea typeface="HY견고딕" panose="02030600000101010101" pitchFamily="18" charset="-127"/>
-              </a:rPr>
-              <a:t>&lt;&lt;</a:t>
-            </a:r>
-            <a:r>
-              <a:rPr lang="ko-KR" altLang="en-US" sz="1200" dirty="0">
-                <a:latin typeface="HY견고딕" panose="02030600000101010101" pitchFamily="18" charset="-127"/>
-                <a:ea typeface="HY견고딕" panose="02030600000101010101" pitchFamily="18" charset="-127"/>
-              </a:rPr>
-              <a:t> </a:t>
-            </a:r>
-            <a:r>
-              <a:rPr lang="en-US" altLang="ko-KR" sz="1200" dirty="0" err="1">
-                <a:latin typeface="HY견고딕" panose="02030600000101010101" pitchFamily="18" charset="-127"/>
-                <a:ea typeface="HY견고딕" panose="02030600000101010101" pitchFamily="18" charset="-127"/>
-              </a:rPr>
-              <a:t>endl</a:t>
-            </a:r>
-            <a:r>
-              <a:rPr lang="en-US" altLang="ko-KR" sz="1200" dirty="0">
-                <a:latin typeface="HY견고딕" panose="02030600000101010101" pitchFamily="18" charset="-127"/>
-                <a:ea typeface="HY견고딕" panose="02030600000101010101" pitchFamily="18" charset="-127"/>
-              </a:rPr>
-              <a:t>;</a:t>
-            </a:r>
-          </a:p>
-          <a:p>
-            <a:r>
-              <a:rPr lang="en-US" altLang="ko-KR" sz="1200" dirty="0" smtClean="0">
-                <a:latin typeface="HY견고딕" panose="02030600000101010101" pitchFamily="18" charset="-127"/>
-                <a:ea typeface="HY견고딕" panose="02030600000101010101" pitchFamily="18" charset="-127"/>
-              </a:rPr>
-              <a:t>	}</a:t>
-            </a:r>
-            <a:endParaRPr lang="en-US" altLang="ko-KR" sz="1200" dirty="0">
-              <a:latin typeface="HY견고딕" panose="02030600000101010101" pitchFamily="18" charset="-127"/>
-              <a:ea typeface="HY견고딕" panose="02030600000101010101" pitchFamily="18" charset="-127"/>
-            </a:endParaRPr>
-          </a:p>
-          <a:p>
-            <a:r>
               <a:rPr lang="en-US" altLang="ko-KR" sz="1200" dirty="0">
                 <a:latin typeface="HY견고딕" panose="02030600000101010101" pitchFamily="18" charset="-127"/>
                 <a:ea typeface="HY견고딕" panose="02030600000101010101" pitchFamily="18" charset="-127"/>
@@ -10711,7 +10702,7 @@
           </a:p>
           <a:p>
             <a:r>
-              <a:rPr lang="en-US" altLang="ko-KR" sz="1200" smtClean="0">
+              <a:rPr lang="en-US" altLang="ko-KR" sz="1200" dirty="0" smtClean="0">
                 <a:latin typeface="HY견고딕" panose="02030600000101010101" pitchFamily="18" charset="-127"/>
                 <a:ea typeface="HY견고딕" panose="02030600000101010101" pitchFamily="18" charset="-127"/>
               </a:rPr>
@@ -36040,8 +36031,8 @@
         </p:nvSpPr>
         <p:spPr>
           <a:xfrm>
-            <a:off x="1034238" y="614676"/>
-            <a:ext cx="8232777" cy="6709529"/>
+            <a:off x="1034239" y="614677"/>
+            <a:ext cx="7930250" cy="6001643"/>
           </a:xfrm>
           <a:prstGeom prst="rect">
             <a:avLst/>
@@ -36482,20 +36473,12 @@
           </a:p>
           <a:p>
             <a:r>
-              <a:rPr lang="en-US" altLang="ko-KR" sz="1600" dirty="0">
+              <a:rPr lang="en-US" altLang="ko-KR" sz="1600" dirty="0" smtClean="0">
                 <a:latin typeface="HY견고딕" panose="02030600000101010101" pitchFamily="18" charset="-127"/>
                 <a:ea typeface="HY견고딕" panose="02030600000101010101" pitchFamily="18" charset="-127"/>
               </a:rPr>
               <a:t>}</a:t>
             </a:r>
-          </a:p>
-          <a:p>
-            <a:endParaRPr lang="ko-KR" altLang="en-US" sz="1600" dirty="0">
-              <a:latin typeface="HY견고딕" panose="02030600000101010101" pitchFamily="18" charset="-127"/>
-              <a:ea typeface="HY견고딕" panose="02030600000101010101" pitchFamily="18" charset="-127"/>
-            </a:endParaRPr>
-          </a:p>
-          <a:p>
             <a:endParaRPr lang="ko-KR" altLang="en-US" sz="1600" dirty="0">
               <a:latin typeface="HY견고딕" panose="02030600000101010101" pitchFamily="18" charset="-127"/>
               <a:ea typeface="HY견고딕" panose="02030600000101010101" pitchFamily="18" charset="-127"/>
@@ -37169,8 +37152,8 @@
         </p:nvSpPr>
         <p:spPr>
           <a:xfrm>
-            <a:off x="1034238" y="664527"/>
-            <a:ext cx="8232777" cy="5816977"/>
+            <a:off x="1034239" y="664527"/>
+            <a:ext cx="7930250" cy="5816977"/>
           </a:xfrm>
           <a:prstGeom prst="rect">
             <a:avLst/>
@@ -40127,7 +40110,7 @@
               <a:t>사람은 핸드폰을 </a:t>
             </a:r>
             <a:r>
-              <a:rPr lang="ko-KR" altLang="en-US" sz="1600" smtClean="0">
+              <a:rPr lang="ko-KR" altLang="en-US" sz="1600" dirty="0" err="1" smtClean="0">
                 <a:ln>
                   <a:solidFill>
                     <a:schemeClr val="tx1">
